--- a/図作成用パワーポイント/ojoken31.pptx
+++ b/図作成用パワーポイント/ojoken31.pptx
@@ -104,6 +104,11 @@
       </a:defRPr>
     </a:lvl9pPr>
   </p:defaultTextStyle>
+  <p:extLst>
+    <p:ext uri="{EFAFB233-063F-42B5-8137-9DF3F51BA10A}">
+      <p15:sldGuideLst xmlns:p15="http://schemas.microsoft.com/office/powerpoint/2012/main"/>
+    </p:ext>
+  </p:extLst>
 </p:presentation>
 </file>
 
@@ -238,7 +243,7 @@
           <a:p>
             <a:fld id="{E110B463-9257-4FB4-9566-5ADE85D69469}" type="datetimeFigureOut">
               <a:rPr kumimoji="1" lang="ja-JP" altLang="en-US" smtClean="0"/>
-              <a:t>2019/2/25</a:t>
+              <a:t>2019/2/28</a:t>
             </a:fld>
             <a:endParaRPr kumimoji="1" lang="ja-JP" altLang="en-US"/>
           </a:p>
@@ -440,7 +445,7 @@
           <a:p>
             <a:fld id="{E110B463-9257-4FB4-9566-5ADE85D69469}" type="datetimeFigureOut">
               <a:rPr kumimoji="1" lang="ja-JP" altLang="en-US" smtClean="0"/>
-              <a:t>2019/2/25</a:t>
+              <a:t>2019/2/28</a:t>
             </a:fld>
             <a:endParaRPr kumimoji="1" lang="ja-JP" altLang="en-US"/>
           </a:p>
@@ -652,7 +657,7 @@
           <a:p>
             <a:fld id="{E110B463-9257-4FB4-9566-5ADE85D69469}" type="datetimeFigureOut">
               <a:rPr kumimoji="1" lang="ja-JP" altLang="en-US" smtClean="0"/>
-              <a:t>2019/2/25</a:t>
+              <a:t>2019/2/28</a:t>
             </a:fld>
             <a:endParaRPr kumimoji="1" lang="ja-JP" altLang="en-US"/>
           </a:p>
@@ -854,7 +859,7 @@
           <a:p>
             <a:fld id="{E110B463-9257-4FB4-9566-5ADE85D69469}" type="datetimeFigureOut">
               <a:rPr kumimoji="1" lang="ja-JP" altLang="en-US" smtClean="0"/>
-              <a:t>2019/2/25</a:t>
+              <a:t>2019/2/28</a:t>
             </a:fld>
             <a:endParaRPr kumimoji="1" lang="ja-JP" altLang="en-US"/>
           </a:p>
@@ -1100,7 +1105,7 @@
           <a:p>
             <a:fld id="{E110B463-9257-4FB4-9566-5ADE85D69469}" type="datetimeFigureOut">
               <a:rPr kumimoji="1" lang="ja-JP" altLang="en-US" smtClean="0"/>
-              <a:t>2019/2/25</a:t>
+              <a:t>2019/2/28</a:t>
             </a:fld>
             <a:endParaRPr kumimoji="1" lang="ja-JP" altLang="en-US"/>
           </a:p>
@@ -1396,7 +1401,7 @@
           <a:p>
             <a:fld id="{E110B463-9257-4FB4-9566-5ADE85D69469}" type="datetimeFigureOut">
               <a:rPr kumimoji="1" lang="ja-JP" altLang="en-US" smtClean="0"/>
-              <a:t>2019/2/25</a:t>
+              <a:t>2019/2/28</a:t>
             </a:fld>
             <a:endParaRPr kumimoji="1" lang="ja-JP" altLang="en-US"/>
           </a:p>
@@ -1827,7 +1832,7 @@
           <a:p>
             <a:fld id="{E110B463-9257-4FB4-9566-5ADE85D69469}" type="datetimeFigureOut">
               <a:rPr kumimoji="1" lang="ja-JP" altLang="en-US" smtClean="0"/>
-              <a:t>2019/2/25</a:t>
+              <a:t>2019/2/28</a:t>
             </a:fld>
             <a:endParaRPr kumimoji="1" lang="ja-JP" altLang="en-US"/>
           </a:p>
@@ -1945,7 +1950,7 @@
           <a:p>
             <a:fld id="{E110B463-9257-4FB4-9566-5ADE85D69469}" type="datetimeFigureOut">
               <a:rPr kumimoji="1" lang="ja-JP" altLang="en-US" smtClean="0"/>
-              <a:t>2019/2/25</a:t>
+              <a:t>2019/2/28</a:t>
             </a:fld>
             <a:endParaRPr kumimoji="1" lang="ja-JP" altLang="en-US"/>
           </a:p>
@@ -2040,7 +2045,7 @@
           <a:p>
             <a:fld id="{E110B463-9257-4FB4-9566-5ADE85D69469}" type="datetimeFigureOut">
               <a:rPr kumimoji="1" lang="ja-JP" altLang="en-US" smtClean="0"/>
-              <a:t>2019/2/25</a:t>
+              <a:t>2019/2/28</a:t>
             </a:fld>
             <a:endParaRPr kumimoji="1" lang="ja-JP" altLang="en-US"/>
           </a:p>
@@ -2349,7 +2354,7 @@
           <a:p>
             <a:fld id="{E110B463-9257-4FB4-9566-5ADE85D69469}" type="datetimeFigureOut">
               <a:rPr kumimoji="1" lang="ja-JP" altLang="en-US" smtClean="0"/>
-              <a:t>2019/2/25</a:t>
+              <a:t>2019/2/28</a:t>
             </a:fld>
             <a:endParaRPr kumimoji="1" lang="ja-JP" altLang="en-US"/>
           </a:p>
@@ -2606,7 +2611,7 @@
           <a:p>
             <a:fld id="{E110B463-9257-4FB4-9566-5ADE85D69469}" type="datetimeFigureOut">
               <a:rPr kumimoji="1" lang="ja-JP" altLang="en-US" smtClean="0"/>
-              <a:t>2019/2/25</a:t>
+              <a:t>2019/2/28</a:t>
             </a:fld>
             <a:endParaRPr kumimoji="1" lang="ja-JP" altLang="en-US"/>
           </a:p>
@@ -2851,7 +2856,7 @@
           <a:p>
             <a:fld id="{E110B463-9257-4FB4-9566-5ADE85D69469}" type="datetimeFigureOut">
               <a:rPr kumimoji="1" lang="ja-JP" altLang="en-US" smtClean="0"/>
-              <a:t>2019/2/25</a:t>
+              <a:t>2019/2/28</a:t>
             </a:fld>
             <a:endParaRPr kumimoji="1" lang="ja-JP" altLang="en-US"/>
           </a:p>
@@ -3256,1509 +3261,6 @@
           <a:chExt cx="0" cy="0"/>
         </a:xfrm>
       </p:grpSpPr>
-      <p:sp>
-        <p:nvSpPr>
-          <p:cNvPr id="2269" name="左中かっこ 2268">
-            <a:extLst>
-              <a:ext uri="{FF2B5EF4-FFF2-40B4-BE49-F238E27FC236}">
-                <a16:creationId xmlns:a16="http://schemas.microsoft.com/office/drawing/2014/main" id="{7484E61E-C510-4FF0-978A-471330A22C3C}"/>
-              </a:ext>
-            </a:extLst>
-          </p:cNvPr>
-          <p:cNvSpPr/>
-          <p:nvPr/>
-        </p:nvSpPr>
-        <p:spPr>
-          <a:xfrm rot="5400000">
-            <a:off x="2185464" y="828496"/>
-            <a:ext cx="116052" cy="457727"/>
-          </a:xfrm>
-          <a:prstGeom prst="leftBrace">
-            <a:avLst>
-              <a:gd name="adj1" fmla="val 10925"/>
-              <a:gd name="adj2" fmla="val 50000"/>
-            </a:avLst>
-          </a:prstGeom>
-          <a:effectLst/>
-          <a:scene3d>
-            <a:camera prst="orthographicFront">
-              <a:rot lat="0" lon="0" rev="0"/>
-            </a:camera>
-            <a:lightRig rig="twoPt" dir="t">
-              <a:rot lat="0" lon="0" rev="4800000"/>
-            </a:lightRig>
-          </a:scene3d>
-          <a:sp3d prstMaterial="matte"/>
-        </p:spPr>
-        <p:style>
-          <a:lnRef idx="3">
-            <a:schemeClr val="dk1"/>
-          </a:lnRef>
-          <a:fillRef idx="0">
-            <a:schemeClr val="dk1"/>
-          </a:fillRef>
-          <a:effectRef idx="2">
-            <a:schemeClr val="dk1"/>
-          </a:effectRef>
-          <a:fontRef idx="minor">
-            <a:schemeClr val="tx1"/>
-          </a:fontRef>
-        </p:style>
-        <p:txBody>
-          <a:bodyPr rtlCol="0" anchor="ctr"/>
-          <a:lstStyle/>
-          <a:p>
-            <a:pPr algn="ctr"/>
-            <a:endParaRPr lang="ja-JP" altLang="en-US">
-              <a:solidFill>
-                <a:prstClr val="black"/>
-              </a:solidFill>
-              <a:latin typeface="Calibri" panose="020F0502020204030204"/>
-              <a:ea typeface="ＭＳ Ｐゴシック" panose="020B0600070205080204" pitchFamily="50" charset="-128"/>
-            </a:endParaRPr>
-          </a:p>
-        </p:txBody>
-      </p:sp>
-      <p:sp>
-        <p:nvSpPr>
-          <p:cNvPr id="2270" name="左中かっこ 2269">
-            <a:extLst>
-              <a:ext uri="{FF2B5EF4-FFF2-40B4-BE49-F238E27FC236}">
-                <a16:creationId xmlns:a16="http://schemas.microsoft.com/office/drawing/2014/main" id="{7484E61E-C510-4FF0-978A-471330A22C3C}"/>
-              </a:ext>
-            </a:extLst>
-          </p:cNvPr>
-          <p:cNvSpPr/>
-          <p:nvPr/>
-        </p:nvSpPr>
-        <p:spPr>
-          <a:xfrm>
-            <a:off x="1375242" y="4177320"/>
-            <a:ext cx="138417" cy="317297"/>
-          </a:xfrm>
-          <a:prstGeom prst="leftBrace">
-            <a:avLst>
-              <a:gd name="adj1" fmla="val 10925"/>
-              <a:gd name="adj2" fmla="val 50000"/>
-            </a:avLst>
-          </a:prstGeom>
-          <a:effectLst/>
-          <a:scene3d>
-            <a:camera prst="orthographicFront">
-              <a:rot lat="0" lon="0" rev="0"/>
-            </a:camera>
-            <a:lightRig rig="twoPt" dir="t">
-              <a:rot lat="0" lon="0" rev="4800000"/>
-            </a:lightRig>
-          </a:scene3d>
-          <a:sp3d prstMaterial="matte"/>
-        </p:spPr>
-        <p:style>
-          <a:lnRef idx="3">
-            <a:schemeClr val="dk1"/>
-          </a:lnRef>
-          <a:fillRef idx="0">
-            <a:schemeClr val="dk1"/>
-          </a:fillRef>
-          <a:effectRef idx="2">
-            <a:schemeClr val="dk1"/>
-          </a:effectRef>
-          <a:fontRef idx="minor">
-            <a:schemeClr val="tx1"/>
-          </a:fontRef>
-        </p:style>
-        <p:txBody>
-          <a:bodyPr rtlCol="0" anchor="ctr"/>
-          <a:lstStyle/>
-          <a:p>
-            <a:pPr algn="ctr"/>
-            <a:endParaRPr lang="ja-JP" altLang="en-US">
-              <a:solidFill>
-                <a:prstClr val="black"/>
-              </a:solidFill>
-              <a:latin typeface="Calibri" panose="020F0502020204030204"/>
-              <a:ea typeface="ＭＳ Ｐゴシック" panose="020B0600070205080204" pitchFamily="50" charset="-128"/>
-            </a:endParaRPr>
-          </a:p>
-        </p:txBody>
-      </p:sp>
-      <mc:AlternateContent xmlns:mc="http://schemas.openxmlformats.org/markup-compatibility/2006">
-        <mc:Choice xmlns:a14="http://schemas.microsoft.com/office/drawing/2010/main" Requires="a14">
-          <p:sp>
-            <p:nvSpPr>
-              <p:cNvPr id="2271" name="テキスト ボックス 2270">
-                <a:extLst>
-                  <a:ext uri="{FF2B5EF4-FFF2-40B4-BE49-F238E27FC236}">
-                    <a16:creationId xmlns:a16="http://schemas.microsoft.com/office/drawing/2014/main" id="{6DAFFFD6-997E-4295-8337-371E646493AD}"/>
-                  </a:ext>
-                </a:extLst>
-              </p:cNvPr>
-              <p:cNvSpPr txBox="1"/>
-              <p:nvPr/>
-            </p:nvSpPr>
-            <p:spPr>
-              <a:xfrm>
-                <a:off x="767663" y="4069484"/>
-                <a:ext cx="434118" cy="523220"/>
-              </a:xfrm>
-              <a:prstGeom prst="rect">
-                <a:avLst/>
-              </a:prstGeom>
-              <a:noFill/>
-            </p:spPr>
-            <p:txBody>
-              <a:bodyPr wrap="square" rtlCol="0">
-                <a:spAutoFit/>
-              </a:bodyPr>
-              <a:lstStyle/>
-              <a:p>
-                <a14:m>
-                  <m:oMathPara xmlns:m="http://schemas.openxmlformats.org/officeDocument/2006/math">
-                    <m:oMathParaPr>
-                      <m:jc m:val="centerGroup"/>
-                    </m:oMathParaPr>
-                    <m:oMath xmlns:m="http://schemas.openxmlformats.org/officeDocument/2006/math">
-                      <m:r>
-                        <a:rPr lang="en-US" altLang="ja-JP" sz="2800" i="1">
-                          <a:solidFill>
-                            <a:prstClr val="black"/>
-                          </a:solidFill>
-                          <a:latin typeface="Cambria Math" panose="02040503050406030204" pitchFamily="18" charset="0"/>
-                        </a:rPr>
-                        <m:t>2</m:t>
-                      </m:r>
-                      <m:r>
-                        <a:rPr lang="en-US" altLang="ja-JP" sz="2800" i="1">
-                          <a:solidFill>
-                            <a:prstClr val="black"/>
-                          </a:solidFill>
-                          <a:latin typeface="Cambria Math" panose="02040503050406030204" pitchFamily="18" charset="0"/>
-                        </a:rPr>
-                        <m:t>𝑡</m:t>
-                      </m:r>
-                    </m:oMath>
-                  </m:oMathPara>
-                </a14:m>
-                <a:endParaRPr lang="en-US" altLang="ja-JP" sz="2800" dirty="0">
-                  <a:solidFill>
-                    <a:prstClr val="black"/>
-                  </a:solidFill>
-                  <a:latin typeface="Calibri" panose="020F0502020204030204"/>
-                  <a:ea typeface="ＭＳ Ｐゴシック" panose="020B0600070205080204" pitchFamily="50" charset="-128"/>
-                </a:endParaRPr>
-              </a:p>
-            </p:txBody>
-          </p:sp>
-        </mc:Choice>
-        <mc:Fallback>
-          <p:sp>
-            <p:nvSpPr>
-              <p:cNvPr id="2271" name="テキスト ボックス 2270">
-                <a:extLst>
-                  <a:ext uri="{FF2B5EF4-FFF2-40B4-BE49-F238E27FC236}">
-                    <a16:creationId xmlns:a16="http://schemas.microsoft.com/office/drawing/2014/main" id="{6DAFFFD6-997E-4295-8337-371E646493AD}"/>
-                  </a:ext>
-                </a:extLst>
-              </p:cNvPr>
-              <p:cNvSpPr txBox="1">
-                <a:spLocks noRot="1" noChangeAspect="1" noMove="1" noResize="1" noEditPoints="1" noAdjustHandles="1" noChangeArrowheads="1" noChangeShapeType="1" noTextEdit="1"/>
-              </p:cNvSpPr>
-              <p:nvPr/>
-            </p:nvSpPr>
-            <p:spPr>
-              <a:xfrm>
-                <a:off x="767663" y="4069484"/>
-                <a:ext cx="434118" cy="523220"/>
-              </a:xfrm>
-              <a:prstGeom prst="rect">
-                <a:avLst/>
-              </a:prstGeom>
-              <a:blipFill>
-                <a:blip r:embed="rId2"/>
-                <a:stretch>
-                  <a:fillRect/>
-                </a:stretch>
-              </a:blipFill>
-            </p:spPr>
-            <p:txBody>
-              <a:bodyPr/>
-              <a:lstStyle/>
-              <a:p>
-                <a:r>
-                  <a:rPr lang="ja-JP" altLang="en-US">
-                    <a:noFill/>
-                  </a:rPr>
-                  <a:t> </a:t>
-                </a:r>
-              </a:p>
-            </p:txBody>
-          </p:sp>
-        </mc:Fallback>
-      </mc:AlternateContent>
-      <p:sp>
-        <p:nvSpPr>
-          <p:cNvPr id="2272" name="左中かっこ 2271">
-            <a:extLst>
-              <a:ext uri="{FF2B5EF4-FFF2-40B4-BE49-F238E27FC236}">
-                <a16:creationId xmlns:a16="http://schemas.microsoft.com/office/drawing/2014/main" id="{7484E61E-C510-4FF0-978A-471330A22C3C}"/>
-              </a:ext>
-            </a:extLst>
-          </p:cNvPr>
-          <p:cNvSpPr/>
-          <p:nvPr/>
-        </p:nvSpPr>
-        <p:spPr>
-          <a:xfrm>
-            <a:off x="1387930" y="1115385"/>
-            <a:ext cx="125728" cy="1242466"/>
-          </a:xfrm>
-          <a:prstGeom prst="leftBrace">
-            <a:avLst>
-              <a:gd name="adj1" fmla="val 10925"/>
-              <a:gd name="adj2" fmla="val 50000"/>
-            </a:avLst>
-          </a:prstGeom>
-          <a:effectLst/>
-          <a:scene3d>
-            <a:camera prst="orthographicFront">
-              <a:rot lat="0" lon="0" rev="0"/>
-            </a:camera>
-            <a:lightRig rig="twoPt" dir="t">
-              <a:rot lat="0" lon="0" rev="4800000"/>
-            </a:lightRig>
-          </a:scene3d>
-          <a:sp3d prstMaterial="matte"/>
-        </p:spPr>
-        <p:style>
-          <a:lnRef idx="3">
-            <a:schemeClr val="dk1"/>
-          </a:lnRef>
-          <a:fillRef idx="0">
-            <a:schemeClr val="dk1"/>
-          </a:fillRef>
-          <a:effectRef idx="2">
-            <a:schemeClr val="dk1"/>
-          </a:effectRef>
-          <a:fontRef idx="minor">
-            <a:schemeClr val="tx1"/>
-          </a:fontRef>
-        </p:style>
-        <p:txBody>
-          <a:bodyPr rtlCol="0" anchor="ctr"/>
-          <a:lstStyle/>
-          <a:p>
-            <a:pPr algn="ctr"/>
-            <a:endParaRPr lang="ja-JP" altLang="en-US">
-              <a:solidFill>
-                <a:prstClr val="black"/>
-              </a:solidFill>
-              <a:latin typeface="Calibri" panose="020F0502020204030204"/>
-              <a:ea typeface="ＭＳ Ｐゴシック" panose="020B0600070205080204" pitchFamily="50" charset="-128"/>
-            </a:endParaRPr>
-          </a:p>
-        </p:txBody>
-      </p:sp>
-      <mc:AlternateContent xmlns:mc="http://schemas.openxmlformats.org/markup-compatibility/2006">
-        <mc:Choice xmlns:a14="http://schemas.microsoft.com/office/drawing/2010/main" Requires="a14">
-          <p:sp>
-            <p:nvSpPr>
-              <p:cNvPr id="2273" name="テキスト ボックス 2272">
-                <a:extLst>
-                  <a:ext uri="{FF2B5EF4-FFF2-40B4-BE49-F238E27FC236}">
-                    <a16:creationId xmlns:a16="http://schemas.microsoft.com/office/drawing/2014/main" id="{6DAFFFD6-997E-4295-8337-371E646493AD}"/>
-                  </a:ext>
-                </a:extLst>
-              </p:cNvPr>
-              <p:cNvSpPr txBox="1"/>
-              <p:nvPr/>
-            </p:nvSpPr>
-            <p:spPr>
-              <a:xfrm>
-                <a:off x="5" y="1473755"/>
-                <a:ext cx="1691397" cy="461665"/>
-              </a:xfrm>
-              <a:prstGeom prst="rect">
-                <a:avLst/>
-              </a:prstGeom>
-              <a:noFill/>
-            </p:spPr>
-            <p:txBody>
-              <a:bodyPr wrap="square" rtlCol="0">
-                <a:spAutoFit/>
-              </a:bodyPr>
-              <a:lstStyle/>
-              <a:p>
-                <a14:m>
-                  <m:oMath xmlns:m="http://schemas.openxmlformats.org/officeDocument/2006/math">
-                    <m:r>
-                      <a:rPr lang="en-US" altLang="ja-JP" sz="2400" i="1">
-                        <a:solidFill>
-                          <a:prstClr val="black"/>
-                        </a:solidFill>
-                        <a:latin typeface="Cambria Math" panose="02040503050406030204" pitchFamily="18" charset="0"/>
-                      </a:rPr>
-                      <m:t>8</m:t>
-                    </m:r>
-                    <m:r>
-                      <a:rPr lang="en-US" altLang="ja-JP" sz="2400" i="1">
-                        <a:solidFill>
-                          <a:prstClr val="black"/>
-                        </a:solidFill>
-                        <a:latin typeface="Cambria Math" panose="02040503050406030204" pitchFamily="18" charset="0"/>
-                      </a:rPr>
-                      <m:t>𝑠</m:t>
-                    </m:r>
-                    <m:sSup>
-                      <m:sSupPr>
-                        <m:ctrlPr>
-                          <a:rPr lang="en-US" altLang="ja-JP" sz="2400" i="1">
-                            <a:solidFill>
-                              <a:prstClr val="black"/>
-                            </a:solidFill>
-                            <a:latin typeface="Cambria Math" panose="02040503050406030204" pitchFamily="18" charset="0"/>
-                          </a:rPr>
-                        </m:ctrlPr>
-                      </m:sSupPr>
-                      <m:e>
-                        <m:r>
-                          <a:rPr lang="en-US" altLang="ja-JP" sz="2400" i="1">
-                            <a:solidFill>
-                              <a:prstClr val="black"/>
-                            </a:solidFill>
-                            <a:latin typeface="Cambria Math" panose="02040503050406030204" pitchFamily="18" charset="0"/>
-                          </a:rPr>
-                          <m:t>𝑡</m:t>
-                        </m:r>
-                      </m:e>
-                      <m:sup>
-                        <m:r>
-                          <a:rPr lang="en-US" altLang="ja-JP" sz="2400" i="1">
-                            <a:solidFill>
-                              <a:prstClr val="black"/>
-                            </a:solidFill>
-                            <a:latin typeface="Cambria Math" panose="02040503050406030204" pitchFamily="18" charset="0"/>
-                          </a:rPr>
-                          <m:t>2</m:t>
-                        </m:r>
-                      </m:sup>
-                    </m:sSup>
-                  </m:oMath>
-                </a14:m>
-                <a:r>
-                  <a:rPr lang="en-US" altLang="ja-JP" sz="2400" dirty="0">
-                    <a:solidFill>
-                      <a:prstClr val="black"/>
-                    </a:solidFill>
-                    <a:latin typeface="Calibri" panose="020F0502020204030204"/>
-                    <a:ea typeface="ＭＳ Ｐゴシック" panose="020B0600070205080204" pitchFamily="50" charset="-128"/>
-                  </a:rPr>
-                  <a:t>+</a:t>
-                </a:r>
-                <a14:m>
-                  <m:oMath xmlns:m="http://schemas.openxmlformats.org/officeDocument/2006/math">
-                    <m:r>
-                      <a:rPr lang="en-US" altLang="ja-JP" sz="2400" i="1">
-                        <a:solidFill>
-                          <a:prstClr val="black"/>
-                        </a:solidFill>
-                        <a:latin typeface="Cambria Math" panose="02040503050406030204" pitchFamily="18" charset="0"/>
-                      </a:rPr>
-                      <m:t>8</m:t>
-                    </m:r>
-                    <m:sSup>
-                      <m:sSupPr>
-                        <m:ctrlPr>
-                          <a:rPr lang="en-US" altLang="ja-JP" sz="2400" i="1">
-                            <a:solidFill>
-                              <a:prstClr val="black"/>
-                            </a:solidFill>
-                            <a:latin typeface="Cambria Math" panose="02040503050406030204" pitchFamily="18" charset="0"/>
-                          </a:rPr>
-                        </m:ctrlPr>
-                      </m:sSupPr>
-                      <m:e>
-                        <m:r>
-                          <a:rPr lang="en-US" altLang="ja-JP" sz="2400" i="1">
-                            <a:solidFill>
-                              <a:prstClr val="black"/>
-                            </a:solidFill>
-                            <a:latin typeface="Cambria Math" panose="02040503050406030204" pitchFamily="18" charset="0"/>
-                          </a:rPr>
-                          <m:t>𝑡</m:t>
-                        </m:r>
-                      </m:e>
-                      <m:sup>
-                        <m:r>
-                          <a:rPr lang="en-US" altLang="ja-JP" sz="2400" i="1">
-                            <a:solidFill>
-                              <a:prstClr val="black"/>
-                            </a:solidFill>
-                            <a:latin typeface="Cambria Math" panose="02040503050406030204" pitchFamily="18" charset="0"/>
-                          </a:rPr>
-                          <m:t>2</m:t>
-                        </m:r>
-                      </m:sup>
-                    </m:sSup>
-                  </m:oMath>
-                </a14:m>
-                <a:endParaRPr lang="en-US" altLang="ja-JP" sz="2400" dirty="0">
-                  <a:solidFill>
-                    <a:prstClr val="black"/>
-                  </a:solidFill>
-                  <a:latin typeface="Calibri" panose="020F0502020204030204"/>
-                  <a:ea typeface="ＭＳ Ｐゴシック" panose="020B0600070205080204" pitchFamily="50" charset="-128"/>
-                </a:endParaRPr>
-              </a:p>
-            </p:txBody>
-          </p:sp>
-        </mc:Choice>
-        <mc:Fallback>
-          <p:sp>
-            <p:nvSpPr>
-              <p:cNvPr id="2273" name="テキスト ボックス 2272">
-                <a:extLst>
-                  <a:ext uri="{FF2B5EF4-FFF2-40B4-BE49-F238E27FC236}">
-                    <a16:creationId xmlns:a16="http://schemas.microsoft.com/office/drawing/2014/main" id="{6DAFFFD6-997E-4295-8337-371E646493AD}"/>
-                  </a:ext>
-                </a:extLst>
-              </p:cNvPr>
-              <p:cNvSpPr txBox="1">
-                <a:spLocks noRot="1" noChangeAspect="1" noMove="1" noResize="1" noEditPoints="1" noAdjustHandles="1" noChangeArrowheads="1" noChangeShapeType="1" noTextEdit="1"/>
-              </p:cNvSpPr>
-              <p:nvPr/>
-            </p:nvSpPr>
-            <p:spPr>
-              <a:xfrm>
-                <a:off x="5" y="1473755"/>
-                <a:ext cx="1691397" cy="461665"/>
-              </a:xfrm>
-              <a:prstGeom prst="rect">
-                <a:avLst/>
-              </a:prstGeom>
-              <a:blipFill>
-                <a:blip r:embed="rId3"/>
-                <a:stretch>
-                  <a:fillRect l="-722" t="-10667" b="-30667"/>
-                </a:stretch>
-              </a:blipFill>
-            </p:spPr>
-            <p:txBody>
-              <a:bodyPr/>
-              <a:lstStyle/>
-              <a:p>
-                <a:r>
-                  <a:rPr lang="ja-JP" altLang="en-US">
-                    <a:noFill/>
-                  </a:rPr>
-                  <a:t> </a:t>
-                </a:r>
-              </a:p>
-            </p:txBody>
-          </p:sp>
-        </mc:Fallback>
-      </mc:AlternateContent>
-      <p:sp>
-        <p:nvSpPr>
-          <p:cNvPr id="2274" name="左中かっこ 2273"/>
-          <p:cNvSpPr/>
-          <p:nvPr/>
-        </p:nvSpPr>
-        <p:spPr>
-          <a:xfrm rot="16200000">
-            <a:off x="5430049" y="4832585"/>
-            <a:ext cx="199347" cy="2309663"/>
-          </a:xfrm>
-          <a:prstGeom prst="leftBrace">
-            <a:avLst>
-              <a:gd name="adj1" fmla="val 10925"/>
-              <a:gd name="adj2" fmla="val 50000"/>
-            </a:avLst>
-          </a:prstGeom>
-          <a:effectLst/>
-          <a:scene3d>
-            <a:camera prst="orthographicFront">
-              <a:rot lat="0" lon="0" rev="0"/>
-            </a:camera>
-            <a:lightRig rig="twoPt" dir="t">
-              <a:rot lat="0" lon="0" rev="4800000"/>
-            </a:lightRig>
-          </a:scene3d>
-          <a:sp3d prstMaterial="matte"/>
-        </p:spPr>
-        <p:style>
-          <a:lnRef idx="3">
-            <a:schemeClr val="dk1"/>
-          </a:lnRef>
-          <a:fillRef idx="0">
-            <a:schemeClr val="dk1"/>
-          </a:fillRef>
-          <a:effectRef idx="2">
-            <a:schemeClr val="dk1"/>
-          </a:effectRef>
-          <a:fontRef idx="minor">
-            <a:schemeClr val="tx1"/>
-          </a:fontRef>
-        </p:style>
-        <p:txBody>
-          <a:bodyPr rtlCol="0" anchor="ctr"/>
-          <a:lstStyle/>
-          <a:p>
-            <a:pPr algn="ctr"/>
-            <a:endParaRPr lang="ja-JP" altLang="en-US">
-              <a:solidFill>
-                <a:prstClr val="black"/>
-              </a:solidFill>
-              <a:latin typeface="Calibri" panose="020F0502020204030204"/>
-              <a:ea typeface="ＭＳ Ｐゴシック" panose="020B0600070205080204" pitchFamily="50" charset="-128"/>
-            </a:endParaRPr>
-          </a:p>
-        </p:txBody>
-      </p:sp>
-      <p:sp>
-        <p:nvSpPr>
-          <p:cNvPr id="2275" name="左中かっこ 2274"/>
-          <p:cNvSpPr/>
-          <p:nvPr/>
-        </p:nvSpPr>
-        <p:spPr>
-          <a:xfrm rot="16200000">
-            <a:off x="10571543" y="5295641"/>
-            <a:ext cx="188240" cy="1394657"/>
-          </a:xfrm>
-          <a:prstGeom prst="leftBrace">
-            <a:avLst>
-              <a:gd name="adj1" fmla="val 10925"/>
-              <a:gd name="adj2" fmla="val 50000"/>
-            </a:avLst>
-          </a:prstGeom>
-          <a:effectLst/>
-          <a:scene3d>
-            <a:camera prst="orthographicFront">
-              <a:rot lat="0" lon="0" rev="0"/>
-            </a:camera>
-            <a:lightRig rig="twoPt" dir="t">
-              <a:rot lat="0" lon="0" rev="4800000"/>
-            </a:lightRig>
-          </a:scene3d>
-          <a:sp3d prstMaterial="matte"/>
-        </p:spPr>
-        <p:style>
-          <a:lnRef idx="3">
-            <a:schemeClr val="dk1"/>
-          </a:lnRef>
-          <a:fillRef idx="0">
-            <a:schemeClr val="dk1"/>
-          </a:fillRef>
-          <a:effectRef idx="2">
-            <a:schemeClr val="dk1"/>
-          </a:effectRef>
-          <a:fontRef idx="minor">
-            <a:schemeClr val="tx1"/>
-          </a:fontRef>
-        </p:style>
-        <p:txBody>
-          <a:bodyPr rtlCol="0" anchor="ctr"/>
-          <a:lstStyle/>
-          <a:p>
-            <a:pPr algn="ctr"/>
-            <a:endParaRPr lang="ja-JP" altLang="en-US">
-              <a:solidFill>
-                <a:prstClr val="black"/>
-              </a:solidFill>
-              <a:latin typeface="Calibri" panose="020F0502020204030204"/>
-              <a:ea typeface="ＭＳ Ｐゴシック" panose="020B0600070205080204" pitchFamily="50" charset="-128"/>
-            </a:endParaRPr>
-          </a:p>
-        </p:txBody>
-      </p:sp>
-      <p:sp>
-        <p:nvSpPr>
-          <p:cNvPr id="2276" name="左中かっこ 2275"/>
-          <p:cNvSpPr/>
-          <p:nvPr/>
-        </p:nvSpPr>
-        <p:spPr>
-          <a:xfrm rot="16200000">
-            <a:off x="8242999" y="4361755"/>
-            <a:ext cx="167284" cy="3283385"/>
-          </a:xfrm>
-          <a:prstGeom prst="leftBrace">
-            <a:avLst>
-              <a:gd name="adj1" fmla="val 10925"/>
-              <a:gd name="adj2" fmla="val 50000"/>
-            </a:avLst>
-          </a:prstGeom>
-          <a:effectLst/>
-          <a:scene3d>
-            <a:camera prst="orthographicFront">
-              <a:rot lat="0" lon="0" rev="0"/>
-            </a:camera>
-            <a:lightRig rig="twoPt" dir="t">
-              <a:rot lat="0" lon="0" rev="4800000"/>
-            </a:lightRig>
-          </a:scene3d>
-          <a:sp3d prstMaterial="matte"/>
-        </p:spPr>
-        <p:style>
-          <a:lnRef idx="3">
-            <a:schemeClr val="dk1"/>
-          </a:lnRef>
-          <a:fillRef idx="0">
-            <a:schemeClr val="dk1"/>
-          </a:fillRef>
-          <a:effectRef idx="2">
-            <a:schemeClr val="dk1"/>
-          </a:effectRef>
-          <a:fontRef idx="minor">
-            <a:schemeClr val="tx1"/>
-          </a:fontRef>
-        </p:style>
-        <p:txBody>
-          <a:bodyPr rtlCol="0" anchor="ctr"/>
-          <a:lstStyle/>
-          <a:p>
-            <a:pPr algn="ctr"/>
-            <a:endParaRPr lang="ja-JP" altLang="en-US">
-              <a:solidFill>
-                <a:prstClr val="black"/>
-              </a:solidFill>
-              <a:latin typeface="Calibri" panose="020F0502020204030204"/>
-              <a:ea typeface="ＭＳ Ｐゴシック" panose="020B0600070205080204" pitchFamily="50" charset="-128"/>
-            </a:endParaRPr>
-          </a:p>
-        </p:txBody>
-      </p:sp>
-      <p:sp>
-        <p:nvSpPr>
-          <p:cNvPr id="2277" name="左中かっこ 2276"/>
-          <p:cNvSpPr/>
-          <p:nvPr/>
-        </p:nvSpPr>
-        <p:spPr>
-          <a:xfrm rot="16200000">
-            <a:off x="3118381" y="4811792"/>
-            <a:ext cx="116493" cy="2324001"/>
-          </a:xfrm>
-          <a:prstGeom prst="leftBrace">
-            <a:avLst>
-              <a:gd name="adj1" fmla="val 10925"/>
-              <a:gd name="adj2" fmla="val 50000"/>
-            </a:avLst>
-          </a:prstGeom>
-          <a:effectLst/>
-          <a:scene3d>
-            <a:camera prst="orthographicFront">
-              <a:rot lat="0" lon="0" rev="0"/>
-            </a:camera>
-            <a:lightRig rig="twoPt" dir="t">
-              <a:rot lat="0" lon="0" rev="4800000"/>
-            </a:lightRig>
-          </a:scene3d>
-          <a:sp3d prstMaterial="matte"/>
-        </p:spPr>
-        <p:style>
-          <a:lnRef idx="3">
-            <a:schemeClr val="dk1"/>
-          </a:lnRef>
-          <a:fillRef idx="0">
-            <a:schemeClr val="dk1"/>
-          </a:fillRef>
-          <a:effectRef idx="2">
-            <a:schemeClr val="dk1"/>
-          </a:effectRef>
-          <a:fontRef idx="minor">
-            <a:schemeClr val="tx1"/>
-          </a:fontRef>
-        </p:style>
-        <p:txBody>
-          <a:bodyPr rtlCol="0" anchor="ctr"/>
-          <a:lstStyle/>
-          <a:p>
-            <a:pPr algn="ctr"/>
-            <a:endParaRPr lang="ja-JP" altLang="en-US">
-              <a:solidFill>
-                <a:prstClr val="black"/>
-              </a:solidFill>
-              <a:latin typeface="Calibri" panose="020F0502020204030204"/>
-              <a:ea typeface="ＭＳ Ｐゴシック" panose="020B0600070205080204" pitchFamily="50" charset="-128"/>
-            </a:endParaRPr>
-          </a:p>
-        </p:txBody>
-      </p:sp>
-      <mc:AlternateContent xmlns:mc="http://schemas.openxmlformats.org/markup-compatibility/2006">
-        <mc:Choice xmlns:a14="http://schemas.microsoft.com/office/drawing/2010/main" Requires="a14">
-          <p:sp>
-            <p:nvSpPr>
-              <p:cNvPr id="2278" name="テキスト ボックス 2277"/>
-              <p:cNvSpPr txBox="1"/>
-              <p:nvPr/>
-            </p:nvSpPr>
-            <p:spPr>
-              <a:xfrm>
-                <a:off x="2173118" y="6003444"/>
-                <a:ext cx="1940218" cy="523220"/>
-              </a:xfrm>
-              <a:prstGeom prst="rect">
-                <a:avLst/>
-              </a:prstGeom>
-              <a:noFill/>
-            </p:spPr>
-            <p:txBody>
-              <a:bodyPr wrap="square" rtlCol="0">
-                <a:spAutoFit/>
-              </a:bodyPr>
-              <a:lstStyle/>
-              <a:p>
-                <a14:m>
-                  <m:oMathPara xmlns:m="http://schemas.openxmlformats.org/officeDocument/2006/math">
-                    <m:oMathParaPr>
-                      <m:jc m:val="centerGroup"/>
-                    </m:oMathParaPr>
-                    <m:oMath xmlns:m="http://schemas.openxmlformats.org/officeDocument/2006/math">
-                      <m:r>
-                        <a:rPr lang="en-US" altLang="ja-JP" sz="2800" i="1" dirty="0">
-                          <a:solidFill>
-                            <a:prstClr val="black"/>
-                          </a:solidFill>
-                          <a:latin typeface="Cambria Math" panose="02040503050406030204" pitchFamily="18" charset="0"/>
-                        </a:rPr>
-                        <m:t>2</m:t>
-                      </m:r>
-                      <m:r>
-                        <a:rPr lang="en-US" altLang="ja-JP" sz="2800" i="1" dirty="0">
-                          <a:solidFill>
-                            <a:prstClr val="black"/>
-                          </a:solidFill>
-                          <a:latin typeface="Cambria Math" panose="02040503050406030204" pitchFamily="18" charset="0"/>
-                        </a:rPr>
-                        <m:t>𝑛</m:t>
-                      </m:r>
-                      <m:r>
-                        <a:rPr lang="en-US" altLang="ja-JP" sz="2800" i="1" dirty="0">
-                          <a:solidFill>
-                            <a:prstClr val="black"/>
-                          </a:solidFill>
-                          <a:latin typeface="Cambria Math" panose="02040503050406030204" pitchFamily="18" charset="0"/>
-                        </a:rPr>
-                        <m:t>−1</m:t>
-                      </m:r>
-                    </m:oMath>
-                  </m:oMathPara>
-                </a14:m>
-                <a:endParaRPr lang="ja-JP" altLang="en-US" sz="2800" dirty="0">
-                  <a:solidFill>
-                    <a:prstClr val="black"/>
-                  </a:solidFill>
-                  <a:latin typeface="Calibri" panose="020F0502020204030204"/>
-                  <a:ea typeface="ＭＳ Ｐゴシック" panose="020B0600070205080204" pitchFamily="50" charset="-128"/>
-                </a:endParaRPr>
-              </a:p>
-            </p:txBody>
-          </p:sp>
-        </mc:Choice>
-        <mc:Fallback>
-          <p:sp>
-            <p:nvSpPr>
-              <p:cNvPr id="2278" name="テキスト ボックス 2277"/>
-              <p:cNvSpPr txBox="1">
-                <a:spLocks noRot="1" noChangeAspect="1" noMove="1" noResize="1" noEditPoints="1" noAdjustHandles="1" noChangeArrowheads="1" noChangeShapeType="1" noTextEdit="1"/>
-              </p:cNvSpPr>
-              <p:nvPr/>
-            </p:nvSpPr>
-            <p:spPr>
-              <a:xfrm>
-                <a:off x="2173118" y="6003444"/>
-                <a:ext cx="1940218" cy="523220"/>
-              </a:xfrm>
-              <a:prstGeom prst="rect">
-                <a:avLst/>
-              </a:prstGeom>
-              <a:blipFill>
-                <a:blip r:embed="rId4"/>
-                <a:stretch>
-                  <a:fillRect/>
-                </a:stretch>
-              </a:blipFill>
-            </p:spPr>
-            <p:txBody>
-              <a:bodyPr/>
-              <a:lstStyle/>
-              <a:p>
-                <a:r>
-                  <a:rPr lang="ja-JP" altLang="en-US">
-                    <a:noFill/>
-                  </a:rPr>
-                  <a:t> </a:t>
-                </a:r>
-              </a:p>
-            </p:txBody>
-          </p:sp>
-        </mc:Fallback>
-      </mc:AlternateContent>
-      <mc:AlternateContent xmlns:mc="http://schemas.openxmlformats.org/markup-compatibility/2006">
-        <mc:Choice xmlns:a14="http://schemas.microsoft.com/office/drawing/2010/main" Requires="a14">
-          <p:sp>
-            <p:nvSpPr>
-              <p:cNvPr id="2279" name="テキスト ボックス 2278">
-                <a:extLst>
-                  <a:ext uri="{FF2B5EF4-FFF2-40B4-BE49-F238E27FC236}">
-                    <a16:creationId xmlns:a16="http://schemas.microsoft.com/office/drawing/2014/main" id="{E4C3C1CC-7DFB-4879-9982-E12AF92D5157}"/>
-                  </a:ext>
-                </a:extLst>
-              </p:cNvPr>
-              <p:cNvSpPr txBox="1"/>
-              <p:nvPr/>
-            </p:nvSpPr>
-            <p:spPr>
-              <a:xfrm>
-                <a:off x="7360861" y="6000692"/>
-                <a:ext cx="1873276" cy="523220"/>
-              </a:xfrm>
-              <a:prstGeom prst="rect">
-                <a:avLst/>
-              </a:prstGeom>
-              <a:noFill/>
-            </p:spPr>
-            <p:txBody>
-              <a:bodyPr wrap="square" rtlCol="0">
-                <a:spAutoFit/>
-              </a:bodyPr>
-              <a:lstStyle/>
-              <a:p>
-                <a14:m>
-                  <m:oMathPara xmlns:m="http://schemas.openxmlformats.org/officeDocument/2006/math">
-                    <m:oMathParaPr>
-                      <m:jc m:val="centerGroup"/>
-                    </m:oMathParaPr>
-                    <m:oMath xmlns:m="http://schemas.openxmlformats.org/officeDocument/2006/math">
-                      <m:r>
-                        <a:rPr lang="en-US" altLang="ja-JP" sz="2800" i="1" dirty="0">
-                          <a:solidFill>
-                            <a:prstClr val="black"/>
-                          </a:solidFill>
-                          <a:latin typeface="Cambria Math" panose="02040503050406030204" pitchFamily="18" charset="0"/>
-                        </a:rPr>
-                        <m:t>2</m:t>
-                      </m:r>
-                      <m:r>
-                        <a:rPr lang="en-US" altLang="ja-JP" sz="2800" i="1" dirty="0">
-                          <a:solidFill>
-                            <a:prstClr val="black"/>
-                          </a:solidFill>
-                          <a:latin typeface="Cambria Math" panose="02040503050406030204" pitchFamily="18" charset="0"/>
-                        </a:rPr>
-                        <m:t>𝑡</m:t>
-                      </m:r>
-                      <m:r>
-                        <a:rPr lang="en-US" altLang="ja-JP" sz="2800" i="1" dirty="0">
-                          <a:solidFill>
-                            <a:prstClr val="black"/>
-                          </a:solidFill>
-                          <a:latin typeface="Cambria Math" panose="02040503050406030204" pitchFamily="18" charset="0"/>
-                        </a:rPr>
-                        <m:t>−1</m:t>
-                      </m:r>
-                    </m:oMath>
-                  </m:oMathPara>
-                </a14:m>
-                <a:endParaRPr lang="ja-JP" altLang="en-US" sz="2800" dirty="0">
-                  <a:solidFill>
-                    <a:prstClr val="black"/>
-                  </a:solidFill>
-                  <a:latin typeface="Calibri" panose="020F0502020204030204"/>
-                  <a:ea typeface="ＭＳ Ｐゴシック" panose="020B0600070205080204" pitchFamily="50" charset="-128"/>
-                </a:endParaRPr>
-              </a:p>
-            </p:txBody>
-          </p:sp>
-        </mc:Choice>
-        <mc:Fallback>
-          <p:sp>
-            <p:nvSpPr>
-              <p:cNvPr id="2279" name="テキスト ボックス 2278">
-                <a:extLst>
-                  <a:ext uri="{FF2B5EF4-FFF2-40B4-BE49-F238E27FC236}">
-                    <a16:creationId xmlns:a16="http://schemas.microsoft.com/office/drawing/2014/main" id="{E4C3C1CC-7DFB-4879-9982-E12AF92D5157}"/>
-                  </a:ext>
-                </a:extLst>
-              </p:cNvPr>
-              <p:cNvSpPr txBox="1">
-                <a:spLocks noRot="1" noChangeAspect="1" noMove="1" noResize="1" noEditPoints="1" noAdjustHandles="1" noChangeArrowheads="1" noChangeShapeType="1" noTextEdit="1"/>
-              </p:cNvSpPr>
-              <p:nvPr/>
-            </p:nvSpPr>
-            <p:spPr>
-              <a:xfrm>
-                <a:off x="7360861" y="6000692"/>
-                <a:ext cx="1873276" cy="523220"/>
-              </a:xfrm>
-              <a:prstGeom prst="rect">
-                <a:avLst/>
-              </a:prstGeom>
-              <a:blipFill>
-                <a:blip r:embed="rId5"/>
-                <a:stretch>
-                  <a:fillRect/>
-                </a:stretch>
-              </a:blipFill>
-            </p:spPr>
-            <p:txBody>
-              <a:bodyPr/>
-              <a:lstStyle/>
-              <a:p>
-                <a:r>
-                  <a:rPr lang="ja-JP" altLang="en-US">
-                    <a:noFill/>
-                  </a:rPr>
-                  <a:t> </a:t>
-                </a:r>
-              </a:p>
-            </p:txBody>
-          </p:sp>
-        </mc:Fallback>
-      </mc:AlternateContent>
-      <p:sp>
-        <p:nvSpPr>
-          <p:cNvPr id="2280" name="左中かっこ 2279">
-            <a:extLst>
-              <a:ext uri="{FF2B5EF4-FFF2-40B4-BE49-F238E27FC236}">
-                <a16:creationId xmlns:a16="http://schemas.microsoft.com/office/drawing/2014/main" id="{7484E61E-C510-4FF0-978A-471330A22C3C}"/>
-              </a:ext>
-            </a:extLst>
-          </p:cNvPr>
-          <p:cNvSpPr/>
-          <p:nvPr/>
-        </p:nvSpPr>
-        <p:spPr>
-          <a:xfrm rot="16200000">
-            <a:off x="1682709" y="5743666"/>
-            <a:ext cx="138411" cy="438331"/>
-          </a:xfrm>
-          <a:prstGeom prst="leftBrace">
-            <a:avLst>
-              <a:gd name="adj1" fmla="val 10925"/>
-              <a:gd name="adj2" fmla="val 50000"/>
-            </a:avLst>
-          </a:prstGeom>
-          <a:effectLst/>
-          <a:scene3d>
-            <a:camera prst="orthographicFront">
-              <a:rot lat="0" lon="0" rev="0"/>
-            </a:camera>
-            <a:lightRig rig="twoPt" dir="t">
-              <a:rot lat="0" lon="0" rev="4800000"/>
-            </a:lightRig>
-          </a:scene3d>
-          <a:sp3d prstMaterial="matte"/>
-        </p:spPr>
-        <p:style>
-          <a:lnRef idx="3">
-            <a:schemeClr val="dk1"/>
-          </a:lnRef>
-          <a:fillRef idx="0">
-            <a:schemeClr val="dk1"/>
-          </a:fillRef>
-          <a:effectRef idx="2">
-            <a:schemeClr val="dk1"/>
-          </a:effectRef>
-          <a:fontRef idx="minor">
-            <a:schemeClr val="tx1"/>
-          </a:fontRef>
-        </p:style>
-        <p:txBody>
-          <a:bodyPr rtlCol="0" anchor="ctr"/>
-          <a:lstStyle/>
-          <a:p>
-            <a:pPr algn="ctr"/>
-            <a:endParaRPr lang="ja-JP" altLang="en-US">
-              <a:solidFill>
-                <a:prstClr val="black"/>
-              </a:solidFill>
-              <a:latin typeface="Calibri" panose="020F0502020204030204"/>
-              <a:ea typeface="ＭＳ Ｐゴシック" panose="020B0600070205080204" pitchFamily="50" charset="-128"/>
-            </a:endParaRPr>
-          </a:p>
-        </p:txBody>
-      </p:sp>
-      <mc:AlternateContent xmlns:mc="http://schemas.openxmlformats.org/markup-compatibility/2006">
-        <mc:Choice xmlns:a14="http://schemas.microsoft.com/office/drawing/2010/main" Requires="a14">
-          <p:sp>
-            <p:nvSpPr>
-              <p:cNvPr id="2281" name="テキスト ボックス 2280">
-                <a:extLst>
-                  <a:ext uri="{FF2B5EF4-FFF2-40B4-BE49-F238E27FC236}">
-                    <a16:creationId xmlns:a16="http://schemas.microsoft.com/office/drawing/2014/main" id="{6DAFFFD6-997E-4295-8337-371E646493AD}"/>
-                  </a:ext>
-                </a:extLst>
-              </p:cNvPr>
-              <p:cNvSpPr txBox="1"/>
-              <p:nvPr/>
-            </p:nvSpPr>
-            <p:spPr>
-              <a:xfrm>
-                <a:off x="1519208" y="6000716"/>
-                <a:ext cx="388432" cy="523197"/>
-              </a:xfrm>
-              <a:prstGeom prst="rect">
-                <a:avLst/>
-              </a:prstGeom>
-              <a:noFill/>
-            </p:spPr>
-            <p:txBody>
-              <a:bodyPr wrap="square" rtlCol="0">
-                <a:spAutoFit/>
-              </a:bodyPr>
-              <a:lstStyle/>
-              <a:p>
-                <a14:m>
-                  <m:oMathPara xmlns:m="http://schemas.openxmlformats.org/officeDocument/2006/math">
-                    <m:oMathParaPr>
-                      <m:jc m:val="centerGroup"/>
-                    </m:oMathParaPr>
-                    <m:oMath xmlns:m="http://schemas.openxmlformats.org/officeDocument/2006/math">
-                      <m:r>
-                        <a:rPr lang="en-US" altLang="ja-JP" sz="2800" i="1" dirty="0">
-                          <a:solidFill>
-                            <a:prstClr val="black"/>
-                          </a:solidFill>
-                          <a:latin typeface="Cambria Math" panose="02040503050406030204" pitchFamily="18" charset="0"/>
-                        </a:rPr>
-                        <m:t>1</m:t>
-                      </m:r>
-                    </m:oMath>
-                  </m:oMathPara>
-                </a14:m>
-                <a:endParaRPr lang="ja-JP" altLang="en-US" sz="2800" dirty="0">
-                  <a:solidFill>
-                    <a:prstClr val="black"/>
-                  </a:solidFill>
-                  <a:latin typeface="Calibri" panose="020F0502020204030204"/>
-                  <a:ea typeface="ＭＳ Ｐゴシック" panose="020B0600070205080204" pitchFamily="50" charset="-128"/>
-                </a:endParaRPr>
-              </a:p>
-            </p:txBody>
-          </p:sp>
-        </mc:Choice>
-        <mc:Fallback>
-          <p:sp>
-            <p:nvSpPr>
-              <p:cNvPr id="2281" name="テキスト ボックス 2280">
-                <a:extLst>
-                  <a:ext uri="{FF2B5EF4-FFF2-40B4-BE49-F238E27FC236}">
-                    <a16:creationId xmlns:a16="http://schemas.microsoft.com/office/drawing/2014/main" id="{6DAFFFD6-997E-4295-8337-371E646493AD}"/>
-                  </a:ext>
-                </a:extLst>
-              </p:cNvPr>
-              <p:cNvSpPr txBox="1">
-                <a:spLocks noRot="1" noChangeAspect="1" noMove="1" noResize="1" noEditPoints="1" noAdjustHandles="1" noChangeArrowheads="1" noChangeShapeType="1" noTextEdit="1"/>
-              </p:cNvSpPr>
-              <p:nvPr/>
-            </p:nvSpPr>
-            <p:spPr>
-              <a:xfrm>
-                <a:off x="1519208" y="6000716"/>
-                <a:ext cx="388432" cy="523197"/>
-              </a:xfrm>
-              <a:prstGeom prst="rect">
-                <a:avLst/>
-              </a:prstGeom>
-              <a:blipFill>
-                <a:blip r:embed="rId6"/>
-                <a:stretch>
-                  <a:fillRect/>
-                </a:stretch>
-              </a:blipFill>
-            </p:spPr>
-            <p:txBody>
-              <a:bodyPr/>
-              <a:lstStyle/>
-              <a:p>
-                <a:r>
-                  <a:rPr lang="ja-JP" altLang="en-US">
-                    <a:noFill/>
-                  </a:rPr>
-                  <a:t> </a:t>
-                </a:r>
-              </a:p>
-            </p:txBody>
-          </p:sp>
-        </mc:Fallback>
-      </mc:AlternateContent>
-      <mc:AlternateContent xmlns:mc="http://schemas.openxmlformats.org/markup-compatibility/2006">
-        <mc:Choice xmlns:a14="http://schemas.microsoft.com/office/drawing/2010/main" Requires="a14">
-          <p:sp>
-            <p:nvSpPr>
-              <p:cNvPr id="2282" name="テキスト ボックス 2281">
-                <a:extLst>
-                  <a:ext uri="{FF2B5EF4-FFF2-40B4-BE49-F238E27FC236}">
-                    <a16:creationId xmlns:a16="http://schemas.microsoft.com/office/drawing/2014/main" id="{07010F26-716B-423D-9E77-19B5E202747E}"/>
-                  </a:ext>
-                </a:extLst>
-              </p:cNvPr>
-              <p:cNvSpPr txBox="1"/>
-              <p:nvPr/>
-            </p:nvSpPr>
-            <p:spPr>
-              <a:xfrm>
-                <a:off x="4383584" y="6002572"/>
-                <a:ext cx="2358855" cy="523220"/>
-              </a:xfrm>
-              <a:prstGeom prst="rect">
-                <a:avLst/>
-              </a:prstGeom>
-              <a:noFill/>
-            </p:spPr>
-            <p:txBody>
-              <a:bodyPr wrap="square" rtlCol="0">
-                <a:spAutoFit/>
-              </a:bodyPr>
-              <a:lstStyle/>
-              <a:p>
-                <a14:m>
-                  <m:oMathPara xmlns:m="http://schemas.openxmlformats.org/officeDocument/2006/math">
-                    <m:oMathParaPr>
-                      <m:jc m:val="centerGroup"/>
-                    </m:oMathParaPr>
-                    <m:oMath xmlns:m="http://schemas.openxmlformats.org/officeDocument/2006/math">
-                      <m:r>
-                        <a:rPr lang="en-US" altLang="ja-JP" sz="2800" i="1" dirty="0">
-                          <a:solidFill>
-                            <a:prstClr val="black"/>
-                          </a:solidFill>
-                          <a:latin typeface="Cambria Math" panose="02040503050406030204" pitchFamily="18" charset="0"/>
-                        </a:rPr>
-                        <m:t>2</m:t>
-                      </m:r>
-                      <m:r>
-                        <a:rPr lang="en-US" altLang="ja-JP" sz="2800" i="1" dirty="0">
-                          <a:solidFill>
-                            <a:prstClr val="black"/>
-                          </a:solidFill>
-                          <a:latin typeface="Cambria Math" panose="02040503050406030204" pitchFamily="18" charset="0"/>
-                        </a:rPr>
-                        <m:t>𝑠𝑡</m:t>
-                      </m:r>
-                      <m:r>
-                        <a:rPr lang="en-US" altLang="ja-JP" sz="2800" i="1" dirty="0">
-                          <a:solidFill>
-                            <a:prstClr val="black"/>
-                          </a:solidFill>
-                          <a:latin typeface="Cambria Math" panose="02040503050406030204" pitchFamily="18" charset="0"/>
-                        </a:rPr>
-                        <m:t>+2</m:t>
-                      </m:r>
-                      <m:r>
-                        <a:rPr lang="en-US" altLang="ja-JP" sz="2800" i="1" dirty="0">
-                          <a:solidFill>
-                            <a:prstClr val="black"/>
-                          </a:solidFill>
-                          <a:latin typeface="Cambria Math" panose="02040503050406030204" pitchFamily="18" charset="0"/>
-                        </a:rPr>
-                        <m:t>𝑡</m:t>
-                      </m:r>
-                      <m:r>
-                        <a:rPr lang="en-US" altLang="ja-JP" sz="2800" dirty="0">
-                          <a:solidFill>
-                            <a:prstClr val="black"/>
-                          </a:solidFill>
-                          <a:latin typeface="Cambria Math" panose="02040503050406030204" pitchFamily="18" charset="0"/>
-                        </a:rPr>
-                        <m:t>−2</m:t>
-                      </m:r>
-                      <m:r>
-                        <a:rPr lang="en-US" altLang="ja-JP" sz="2800" i="1" dirty="0">
-                          <a:solidFill>
-                            <a:prstClr val="black"/>
-                          </a:solidFill>
-                          <a:latin typeface="Cambria Math" panose="02040503050406030204" pitchFamily="18" charset="0"/>
-                        </a:rPr>
-                        <m:t>𝑛</m:t>
-                      </m:r>
-                    </m:oMath>
-                  </m:oMathPara>
-                </a14:m>
-                <a:endParaRPr lang="ja-JP" altLang="en-US" sz="2800" i="1" dirty="0">
-                  <a:solidFill>
-                    <a:prstClr val="black"/>
-                  </a:solidFill>
-                  <a:latin typeface="Calibri" panose="020F0502020204030204"/>
-                  <a:ea typeface="ＭＳ Ｐゴシック" panose="020B0600070205080204" pitchFamily="50" charset="-128"/>
-                </a:endParaRPr>
-              </a:p>
-            </p:txBody>
-          </p:sp>
-        </mc:Choice>
-        <mc:Fallback>
-          <p:sp>
-            <p:nvSpPr>
-              <p:cNvPr id="2282" name="テキスト ボックス 2281">
-                <a:extLst>
-                  <a:ext uri="{FF2B5EF4-FFF2-40B4-BE49-F238E27FC236}">
-                    <a16:creationId xmlns:a16="http://schemas.microsoft.com/office/drawing/2014/main" id="{07010F26-716B-423D-9E77-19B5E202747E}"/>
-                  </a:ext>
-                </a:extLst>
-              </p:cNvPr>
-              <p:cNvSpPr txBox="1">
-                <a:spLocks noRot="1" noChangeAspect="1" noMove="1" noResize="1" noEditPoints="1" noAdjustHandles="1" noChangeArrowheads="1" noChangeShapeType="1" noTextEdit="1"/>
-              </p:cNvSpPr>
-              <p:nvPr/>
-            </p:nvSpPr>
-            <p:spPr>
-              <a:xfrm>
-                <a:off x="4383584" y="6002572"/>
-                <a:ext cx="2358855" cy="523220"/>
-              </a:xfrm>
-              <a:prstGeom prst="rect">
-                <a:avLst/>
-              </a:prstGeom>
-              <a:blipFill>
-                <a:blip r:embed="rId7"/>
-                <a:stretch>
-                  <a:fillRect/>
-                </a:stretch>
-              </a:blipFill>
-            </p:spPr>
-            <p:txBody>
-              <a:bodyPr/>
-              <a:lstStyle/>
-              <a:p>
-                <a:r>
-                  <a:rPr lang="ja-JP" altLang="en-US">
-                    <a:noFill/>
-                  </a:rPr>
-                  <a:t> </a:t>
-                </a:r>
-              </a:p>
-            </p:txBody>
-          </p:sp>
-        </mc:Fallback>
-      </mc:AlternateContent>
-      <mc:AlternateContent xmlns:mc="http://schemas.openxmlformats.org/markup-compatibility/2006">
-        <mc:Choice xmlns:a14="http://schemas.microsoft.com/office/drawing/2010/main" Requires="a14">
-          <p:sp>
-            <p:nvSpPr>
-              <p:cNvPr id="2283" name="テキスト ボックス 2282">
-                <a:extLst>
-                  <a:ext uri="{FF2B5EF4-FFF2-40B4-BE49-F238E27FC236}">
-                    <a16:creationId xmlns:a16="http://schemas.microsoft.com/office/drawing/2014/main" id="{65944549-9B1C-4094-8DD6-656F7C2BBAD6}"/>
-                  </a:ext>
-                </a:extLst>
-              </p:cNvPr>
-              <p:cNvSpPr txBox="1"/>
-              <p:nvPr/>
-            </p:nvSpPr>
-            <p:spPr>
-              <a:xfrm>
-                <a:off x="10221896" y="5992255"/>
-                <a:ext cx="887534" cy="523220"/>
-              </a:xfrm>
-              <a:prstGeom prst="rect">
-                <a:avLst/>
-              </a:prstGeom>
-              <a:noFill/>
-            </p:spPr>
-            <p:txBody>
-              <a:bodyPr wrap="square" rtlCol="0">
-                <a:spAutoFit/>
-              </a:bodyPr>
-              <a:lstStyle/>
-              <a:p>
-                <a14:m>
-                  <m:oMathPara xmlns:m="http://schemas.openxmlformats.org/officeDocument/2006/math">
-                    <m:oMathParaPr>
-                      <m:jc m:val="centerGroup"/>
-                    </m:oMathParaPr>
-                    <m:oMath xmlns:m="http://schemas.openxmlformats.org/officeDocument/2006/math">
-                      <m:r>
-                        <a:rPr lang="en-US" altLang="ja-JP" sz="2800" i="1" dirty="0">
-                          <a:solidFill>
-                            <a:prstClr val="black"/>
-                          </a:solidFill>
-                          <a:latin typeface="Cambria Math" panose="02040503050406030204" pitchFamily="18" charset="0"/>
-                        </a:rPr>
-                        <m:t>2</m:t>
-                      </m:r>
-                      <m:r>
-                        <a:rPr lang="en-US" altLang="ja-JP" sz="2800" i="1" dirty="0">
-                          <a:solidFill>
-                            <a:prstClr val="black"/>
-                          </a:solidFill>
-                          <a:latin typeface="Cambria Math" panose="02040503050406030204" pitchFamily="18" charset="0"/>
-                        </a:rPr>
-                        <m:t>𝑠𝑡</m:t>
-                      </m:r>
-                    </m:oMath>
-                  </m:oMathPara>
-                </a14:m>
-                <a:endParaRPr lang="ja-JP" altLang="en-US" sz="2800" dirty="0">
-                  <a:solidFill>
-                    <a:prstClr val="black"/>
-                  </a:solidFill>
-                  <a:latin typeface="Calibri" panose="020F0502020204030204"/>
-                  <a:ea typeface="ＭＳ Ｐゴシック" panose="020B0600070205080204" pitchFamily="50" charset="-128"/>
-                </a:endParaRPr>
-              </a:p>
-            </p:txBody>
-          </p:sp>
-        </mc:Choice>
-        <mc:Fallback>
-          <p:sp>
-            <p:nvSpPr>
-              <p:cNvPr id="2283" name="テキスト ボックス 2282">
-                <a:extLst>
-                  <a:ext uri="{FF2B5EF4-FFF2-40B4-BE49-F238E27FC236}">
-                    <a16:creationId xmlns:a16="http://schemas.microsoft.com/office/drawing/2014/main" id="{65944549-9B1C-4094-8DD6-656F7C2BBAD6}"/>
-                  </a:ext>
-                </a:extLst>
-              </p:cNvPr>
-              <p:cNvSpPr txBox="1">
-                <a:spLocks noRot="1" noChangeAspect="1" noMove="1" noResize="1" noEditPoints="1" noAdjustHandles="1" noChangeArrowheads="1" noChangeShapeType="1" noTextEdit="1"/>
-              </p:cNvSpPr>
-              <p:nvPr/>
-            </p:nvSpPr>
-            <p:spPr>
-              <a:xfrm>
-                <a:off x="10221896" y="5992255"/>
-                <a:ext cx="887534" cy="523220"/>
-              </a:xfrm>
-              <a:prstGeom prst="rect">
-                <a:avLst/>
-              </a:prstGeom>
-              <a:blipFill>
-                <a:blip r:embed="rId8"/>
-                <a:stretch>
-                  <a:fillRect/>
-                </a:stretch>
-              </a:blipFill>
-            </p:spPr>
-            <p:txBody>
-              <a:bodyPr/>
-              <a:lstStyle/>
-              <a:p>
-                <a:r>
-                  <a:rPr lang="ja-JP" altLang="en-US">
-                    <a:noFill/>
-                  </a:rPr>
-                  <a:t> </a:t>
-                </a:r>
-              </a:p>
-            </p:txBody>
-          </p:sp>
-        </mc:Fallback>
-      </mc:AlternateContent>
-      <mc:AlternateContent xmlns:mc="http://schemas.openxmlformats.org/markup-compatibility/2006">
-        <mc:Choice xmlns:a14="http://schemas.microsoft.com/office/drawing/2010/main" Requires="a14">
-          <p:sp>
-            <p:nvSpPr>
-              <p:cNvPr id="2284" name="テキスト ボックス 2283">
-                <a:extLst>
-                  <a:ext uri="{FF2B5EF4-FFF2-40B4-BE49-F238E27FC236}">
-                    <a16:creationId xmlns:a16="http://schemas.microsoft.com/office/drawing/2014/main" id="{7FF99950-E7CA-404A-865F-5BBFC675F700}"/>
-                  </a:ext>
-                </a:extLst>
-              </p:cNvPr>
-              <p:cNvSpPr txBox="1"/>
-              <p:nvPr/>
-            </p:nvSpPr>
-            <p:spPr>
-              <a:xfrm>
-                <a:off x="2014626" y="369095"/>
-                <a:ext cx="434118" cy="461665"/>
-              </a:xfrm>
-              <a:prstGeom prst="rect">
-                <a:avLst/>
-              </a:prstGeom>
-              <a:noFill/>
-            </p:spPr>
-            <p:txBody>
-              <a:bodyPr wrap="square" rtlCol="0">
-                <a:spAutoFit/>
-              </a:bodyPr>
-              <a:lstStyle/>
-              <a:p>
-                <a14:m>
-                  <m:oMathPara xmlns:m="http://schemas.openxmlformats.org/officeDocument/2006/math">
-                    <m:oMathParaPr>
-                      <m:jc m:val="centerGroup"/>
-                    </m:oMathParaPr>
-                    <m:oMath xmlns:m="http://schemas.openxmlformats.org/officeDocument/2006/math">
-                      <m:r>
-                        <a:rPr lang="en-US" altLang="ja-JP" sz="2400" i="1">
-                          <a:solidFill>
-                            <a:prstClr val="black"/>
-                          </a:solidFill>
-                          <a:latin typeface="Cambria Math" panose="02040503050406030204" pitchFamily="18" charset="0"/>
-                        </a:rPr>
-                        <m:t>2</m:t>
-                      </m:r>
-                      <m:r>
-                        <a:rPr lang="en-US" altLang="ja-JP" sz="2400" i="1">
-                          <a:solidFill>
-                            <a:prstClr val="black"/>
-                          </a:solidFill>
-                          <a:latin typeface="Cambria Math" panose="02040503050406030204" pitchFamily="18" charset="0"/>
-                        </a:rPr>
-                        <m:t>𝑡</m:t>
-                      </m:r>
-                    </m:oMath>
-                  </m:oMathPara>
-                </a14:m>
-                <a:endParaRPr lang="en-US" altLang="ja-JP" sz="2400" dirty="0">
-                  <a:solidFill>
-                    <a:prstClr val="black"/>
-                  </a:solidFill>
-                  <a:latin typeface="Calibri" panose="020F0502020204030204"/>
-                  <a:ea typeface="ＭＳ Ｐゴシック" panose="020B0600070205080204" pitchFamily="50" charset="-128"/>
-                </a:endParaRPr>
-              </a:p>
-            </p:txBody>
-          </p:sp>
-        </mc:Choice>
-        <mc:Fallback>
-          <p:sp>
-            <p:nvSpPr>
-              <p:cNvPr id="2284" name="テキスト ボックス 2283">
-                <a:extLst>
-                  <a:ext uri="{FF2B5EF4-FFF2-40B4-BE49-F238E27FC236}">
-                    <a16:creationId xmlns:a16="http://schemas.microsoft.com/office/drawing/2014/main" id="{7FF99950-E7CA-404A-865F-5BBFC675F700}"/>
-                  </a:ext>
-                </a:extLst>
-              </p:cNvPr>
-              <p:cNvSpPr txBox="1">
-                <a:spLocks noRot="1" noChangeAspect="1" noMove="1" noResize="1" noEditPoints="1" noAdjustHandles="1" noChangeArrowheads="1" noChangeShapeType="1" noTextEdit="1"/>
-              </p:cNvSpPr>
-              <p:nvPr/>
-            </p:nvSpPr>
-            <p:spPr>
-              <a:xfrm>
-                <a:off x="2014626" y="369095"/>
-                <a:ext cx="434118" cy="461665"/>
-              </a:xfrm>
-              <a:prstGeom prst="rect">
-                <a:avLst/>
-              </a:prstGeom>
-              <a:blipFill>
-                <a:blip r:embed="rId9"/>
-                <a:stretch>
-                  <a:fillRect l="-2778" r="-12500"/>
-                </a:stretch>
-              </a:blipFill>
-            </p:spPr>
-            <p:txBody>
-              <a:bodyPr/>
-              <a:lstStyle/>
-              <a:p>
-                <a:r>
-                  <a:rPr lang="ja-JP" altLang="en-US">
-                    <a:noFill/>
-                  </a:rPr>
-                  <a:t> </a:t>
-                </a:r>
-              </a:p>
-            </p:txBody>
-          </p:sp>
-        </mc:Fallback>
-      </mc:AlternateContent>
       <p:graphicFrame>
         <p:nvGraphicFramePr>
           <p:cNvPr id="2" name="表 1"/>
@@ -4787,105 +3289,105 @@
                 <a:gridCol w="472015">
                   <a:extLst>
                     <a:ext uri="{9D8B030D-6E8A-4147-A177-3AD203B41FA5}">
-                      <a16:colId xmlns:a16="http://schemas.microsoft.com/office/drawing/2014/main" val="20000"/>
+                      <a16:colId xmlns:a16="http://schemas.microsoft.com/office/drawing/2014/main" xmlns="" val="20000"/>
                     </a:ext>
                   </a:extLst>
                 </a:gridCol>
                 <a:gridCol w="472015">
                   <a:extLst>
                     <a:ext uri="{9D8B030D-6E8A-4147-A177-3AD203B41FA5}">
-                      <a16:colId xmlns:a16="http://schemas.microsoft.com/office/drawing/2014/main" val="20001"/>
+                      <a16:colId xmlns:a16="http://schemas.microsoft.com/office/drawing/2014/main" xmlns="" val="20001"/>
                     </a:ext>
                   </a:extLst>
                 </a:gridCol>
                 <a:gridCol w="472015">
                   <a:extLst>
                     <a:ext uri="{9D8B030D-6E8A-4147-A177-3AD203B41FA5}">
-                      <a16:colId xmlns:a16="http://schemas.microsoft.com/office/drawing/2014/main" val="20002"/>
+                      <a16:colId xmlns:a16="http://schemas.microsoft.com/office/drawing/2014/main" xmlns="" val="20002"/>
                     </a:ext>
                   </a:extLst>
                 </a:gridCol>
                 <a:gridCol w="472015">
                   <a:extLst>
                     <a:ext uri="{9D8B030D-6E8A-4147-A177-3AD203B41FA5}">
-                      <a16:colId xmlns:a16="http://schemas.microsoft.com/office/drawing/2014/main" val="20003"/>
+                      <a16:colId xmlns:a16="http://schemas.microsoft.com/office/drawing/2014/main" xmlns="" val="20003"/>
                     </a:ext>
                   </a:extLst>
                 </a:gridCol>
                 <a:gridCol w="472015">
                   <a:extLst>
                     <a:ext uri="{9D8B030D-6E8A-4147-A177-3AD203B41FA5}">
-                      <a16:colId xmlns:a16="http://schemas.microsoft.com/office/drawing/2014/main" val="20004"/>
+                      <a16:colId xmlns:a16="http://schemas.microsoft.com/office/drawing/2014/main" xmlns="" val="20004"/>
                     </a:ext>
                   </a:extLst>
                 </a:gridCol>
                 <a:gridCol w="472015">
                   <a:extLst>
                     <a:ext uri="{9D8B030D-6E8A-4147-A177-3AD203B41FA5}">
-                      <a16:colId xmlns:a16="http://schemas.microsoft.com/office/drawing/2014/main" val="20005"/>
+                      <a16:colId xmlns:a16="http://schemas.microsoft.com/office/drawing/2014/main" xmlns="" val="20005"/>
                     </a:ext>
                   </a:extLst>
                 </a:gridCol>
                 <a:gridCol w="2304000">
                   <a:extLst>
                     <a:ext uri="{9D8B030D-6E8A-4147-A177-3AD203B41FA5}">
-                      <a16:colId xmlns:a16="http://schemas.microsoft.com/office/drawing/2014/main" val="20006"/>
+                      <a16:colId xmlns:a16="http://schemas.microsoft.com/office/drawing/2014/main" xmlns="" val="20006"/>
                     </a:ext>
                   </a:extLst>
                 </a:gridCol>
                 <a:gridCol w="472015">
                   <a:extLst>
                     <a:ext uri="{9D8B030D-6E8A-4147-A177-3AD203B41FA5}">
-                      <a16:colId xmlns:a16="http://schemas.microsoft.com/office/drawing/2014/main" val="20007"/>
+                      <a16:colId xmlns:a16="http://schemas.microsoft.com/office/drawing/2014/main" xmlns="" val="20007"/>
                     </a:ext>
                   </a:extLst>
                 </a:gridCol>
                 <a:gridCol w="472015">
                   <a:extLst>
                     <a:ext uri="{9D8B030D-6E8A-4147-A177-3AD203B41FA5}">
-                      <a16:colId xmlns:a16="http://schemas.microsoft.com/office/drawing/2014/main" val="20008"/>
+                      <a16:colId xmlns:a16="http://schemas.microsoft.com/office/drawing/2014/main" xmlns="" val="20008"/>
                     </a:ext>
                   </a:extLst>
                 </a:gridCol>
                 <a:gridCol w="472015">
                   <a:extLst>
                     <a:ext uri="{9D8B030D-6E8A-4147-A177-3AD203B41FA5}">
-                      <a16:colId xmlns:a16="http://schemas.microsoft.com/office/drawing/2014/main" val="20009"/>
+                      <a16:colId xmlns:a16="http://schemas.microsoft.com/office/drawing/2014/main" xmlns="" val="20009"/>
                     </a:ext>
                   </a:extLst>
                 </a:gridCol>
                 <a:gridCol w="472015">
                   <a:extLst>
                     <a:ext uri="{9D8B030D-6E8A-4147-A177-3AD203B41FA5}">
-                      <a16:colId xmlns:a16="http://schemas.microsoft.com/office/drawing/2014/main" val="20010"/>
+                      <a16:colId xmlns:a16="http://schemas.microsoft.com/office/drawing/2014/main" xmlns="" val="20010"/>
                     </a:ext>
                   </a:extLst>
                 </a:gridCol>
                 <a:gridCol w="472015">
                   <a:extLst>
                     <a:ext uri="{9D8B030D-6E8A-4147-A177-3AD203B41FA5}">
-                      <a16:colId xmlns:a16="http://schemas.microsoft.com/office/drawing/2014/main" val="20011"/>
+                      <a16:colId xmlns:a16="http://schemas.microsoft.com/office/drawing/2014/main" xmlns="" val="20011"/>
                     </a:ext>
                   </a:extLst>
                 </a:gridCol>
                 <a:gridCol w="472015">
                   <a:extLst>
                     <a:ext uri="{9D8B030D-6E8A-4147-A177-3AD203B41FA5}">
-                      <a16:colId xmlns:a16="http://schemas.microsoft.com/office/drawing/2014/main" val="20012"/>
+                      <a16:colId xmlns:a16="http://schemas.microsoft.com/office/drawing/2014/main" xmlns="" val="20012"/>
                     </a:ext>
                   </a:extLst>
                 </a:gridCol>
                 <a:gridCol w="472015">
                   <a:extLst>
                     <a:ext uri="{9D8B030D-6E8A-4147-A177-3AD203B41FA5}">
-                      <a16:colId xmlns:a16="http://schemas.microsoft.com/office/drawing/2014/main" val="20013"/>
+                      <a16:colId xmlns:a16="http://schemas.microsoft.com/office/drawing/2014/main" xmlns="" val="20013"/>
                     </a:ext>
                   </a:extLst>
                 </a:gridCol>
                 <a:gridCol w="1368000">
                   <a:extLst>
                     <a:ext uri="{9D8B030D-6E8A-4147-A177-3AD203B41FA5}">
-                      <a16:colId xmlns:a16="http://schemas.microsoft.com/office/drawing/2014/main" val="20014"/>
+                      <a16:colId xmlns:a16="http://schemas.microsoft.com/office/drawing/2014/main" xmlns="" val="20014"/>
                     </a:ext>
                   </a:extLst>
                 </a:gridCol>
@@ -5117,7 +3619,7 @@
                 </a:tc>
                 <a:extLst>
                   <a:ext uri="{0D108BD9-81ED-4DB2-BD59-A6C34878D82A}">
-                    <a16:rowId xmlns:a16="http://schemas.microsoft.com/office/drawing/2014/main" val="10000"/>
+                    <a16:rowId xmlns:a16="http://schemas.microsoft.com/office/drawing/2014/main" xmlns="" val="10000"/>
                   </a:ext>
                 </a:extLst>
               </a:tr>
@@ -5286,7 +3788,7 @@
                 </a:tc>
                 <a:extLst>
                   <a:ext uri="{0D108BD9-81ED-4DB2-BD59-A6C34878D82A}">
-                    <a16:rowId xmlns:a16="http://schemas.microsoft.com/office/drawing/2014/main" val="10001"/>
+                    <a16:rowId xmlns:a16="http://schemas.microsoft.com/office/drawing/2014/main" xmlns="" val="10001"/>
                   </a:ext>
                 </a:extLst>
               </a:tr>
@@ -5459,7 +3961,7 @@
                 </a:tc>
                 <a:extLst>
                   <a:ext uri="{0D108BD9-81ED-4DB2-BD59-A6C34878D82A}">
-                    <a16:rowId xmlns:a16="http://schemas.microsoft.com/office/drawing/2014/main" val="10002"/>
+                    <a16:rowId xmlns:a16="http://schemas.microsoft.com/office/drawing/2014/main" xmlns="" val="10002"/>
                   </a:ext>
                 </a:extLst>
               </a:tr>
@@ -5628,7 +4130,7 @@
                 </a:tc>
                 <a:extLst>
                   <a:ext uri="{0D108BD9-81ED-4DB2-BD59-A6C34878D82A}">
-                    <a16:rowId xmlns:a16="http://schemas.microsoft.com/office/drawing/2014/main" val="10003"/>
+                    <a16:rowId xmlns:a16="http://schemas.microsoft.com/office/drawing/2014/main" xmlns="" val="10003"/>
                   </a:ext>
                 </a:extLst>
               </a:tr>
@@ -5789,7 +4291,7 @@
                 </a:tc>
                 <a:extLst>
                   <a:ext uri="{0D108BD9-81ED-4DB2-BD59-A6C34878D82A}">
-                    <a16:rowId xmlns:a16="http://schemas.microsoft.com/office/drawing/2014/main" val="10004"/>
+                    <a16:rowId xmlns:a16="http://schemas.microsoft.com/office/drawing/2014/main" xmlns="" val="10004"/>
                   </a:ext>
                 </a:extLst>
               </a:tr>
@@ -6010,7 +4512,7 @@
                 </a:tc>
                 <a:extLst>
                   <a:ext uri="{0D108BD9-81ED-4DB2-BD59-A6C34878D82A}">
-                    <a16:rowId xmlns:a16="http://schemas.microsoft.com/office/drawing/2014/main" val="10005"/>
+                    <a16:rowId xmlns:a16="http://schemas.microsoft.com/office/drawing/2014/main" xmlns="" val="10005"/>
                   </a:ext>
                 </a:extLst>
               </a:tr>
@@ -6179,7 +4681,7 @@
                 </a:tc>
                 <a:extLst>
                   <a:ext uri="{0D108BD9-81ED-4DB2-BD59-A6C34878D82A}">
-                    <a16:rowId xmlns:a16="http://schemas.microsoft.com/office/drawing/2014/main" val="10006"/>
+                    <a16:rowId xmlns:a16="http://schemas.microsoft.com/office/drawing/2014/main" xmlns="" val="10006"/>
                   </a:ext>
                 </a:extLst>
               </a:tr>
@@ -6352,7 +4854,7 @@
                 </a:tc>
                 <a:extLst>
                   <a:ext uri="{0D108BD9-81ED-4DB2-BD59-A6C34878D82A}">
-                    <a16:rowId xmlns:a16="http://schemas.microsoft.com/office/drawing/2014/main" val="10007"/>
+                    <a16:rowId xmlns:a16="http://schemas.microsoft.com/office/drawing/2014/main" xmlns="" val="10007"/>
                   </a:ext>
                 </a:extLst>
               </a:tr>
@@ -6521,7 +5023,7 @@
                 </a:tc>
                 <a:extLst>
                   <a:ext uri="{0D108BD9-81ED-4DB2-BD59-A6C34878D82A}">
-                    <a16:rowId xmlns:a16="http://schemas.microsoft.com/office/drawing/2014/main" val="10008"/>
+                    <a16:rowId xmlns:a16="http://schemas.microsoft.com/office/drawing/2014/main" xmlns="" val="10008"/>
                   </a:ext>
                 </a:extLst>
               </a:tr>
@@ -6682,7 +5184,7 @@
                 </a:tc>
                 <a:extLst>
                   <a:ext uri="{0D108BD9-81ED-4DB2-BD59-A6C34878D82A}">
-                    <a16:rowId xmlns:a16="http://schemas.microsoft.com/office/drawing/2014/main" val="10009"/>
+                    <a16:rowId xmlns:a16="http://schemas.microsoft.com/office/drawing/2014/main" xmlns="" val="10009"/>
                   </a:ext>
                 </a:extLst>
               </a:tr>
@@ -6903,7 +5405,7 @@
                 </a:tc>
                 <a:extLst>
                   <a:ext uri="{0D108BD9-81ED-4DB2-BD59-A6C34878D82A}">
-                    <a16:rowId xmlns:a16="http://schemas.microsoft.com/office/drawing/2014/main" val="10010"/>
+                    <a16:rowId xmlns:a16="http://schemas.microsoft.com/office/drawing/2014/main" xmlns="" val="10010"/>
                   </a:ext>
                 </a:extLst>
               </a:tr>
@@ -7072,7 +5574,7 @@
                 </a:tc>
                 <a:extLst>
                   <a:ext uri="{0D108BD9-81ED-4DB2-BD59-A6C34878D82A}">
-                    <a16:rowId xmlns:a16="http://schemas.microsoft.com/office/drawing/2014/main" val="10011"/>
+                    <a16:rowId xmlns:a16="http://schemas.microsoft.com/office/drawing/2014/main" xmlns="" val="10011"/>
                   </a:ext>
                 </a:extLst>
               </a:tr>
@@ -7245,7 +5747,7 @@
                 </a:tc>
                 <a:extLst>
                   <a:ext uri="{0D108BD9-81ED-4DB2-BD59-A6C34878D82A}">
-                    <a16:rowId xmlns:a16="http://schemas.microsoft.com/office/drawing/2014/main" val="10012"/>
+                    <a16:rowId xmlns:a16="http://schemas.microsoft.com/office/drawing/2014/main" xmlns="" val="10012"/>
                   </a:ext>
                 </a:extLst>
               </a:tr>
@@ -7414,7 +5916,7 @@
                 </a:tc>
                 <a:extLst>
                   <a:ext uri="{0D108BD9-81ED-4DB2-BD59-A6C34878D82A}">
-                    <a16:rowId xmlns:a16="http://schemas.microsoft.com/office/drawing/2014/main" val="10013"/>
+                    <a16:rowId xmlns:a16="http://schemas.microsoft.com/office/drawing/2014/main" xmlns="" val="10013"/>
                   </a:ext>
                 </a:extLst>
               </a:tr>
